--- a/Presentation/03 - Blazor - Lifecycle.pptx
+++ b/Presentation/03 - Blazor - Lifecycle.pptx
@@ -241,7 +241,7 @@
             <a:fld id="{A74C3DD1-6B4C-423E-A696-BD4124EC33BC}" type="datetimeFigureOut">
               <a:rPr lang="cs-CZ" smtClean="0"/>
               <a:pPr/>
-              <a:t>25.02.2020</a:t>
+              <a:t>26.02.2020</a:t>
             </a:fld>
             <a:endParaRPr lang="cs-CZ" dirty="0"/>
           </a:p>
@@ -708,7 +708,7 @@
           <a:p>
             <a:fld id="{0DA6F2F8-F70A-47D7-AD2D-4F12E71A0C18}" type="datetimeFigureOut">
               <a:rPr lang="cs-CZ" smtClean="0"/>
-              <a:t>25.02.2020</a:t>
+              <a:t>26.02.2020</a:t>
             </a:fld>
             <a:endParaRPr lang="cs-CZ"/>
           </a:p>
@@ -890,7 +890,7 @@
           <a:p>
             <a:fld id="{0DA6F2F8-F70A-47D7-AD2D-4F12E71A0C18}" type="datetimeFigureOut">
               <a:rPr lang="cs-CZ" smtClean="0"/>
-              <a:t>25.02.2020</a:t>
+              <a:t>26.02.2020</a:t>
             </a:fld>
             <a:endParaRPr lang="cs-CZ"/>
           </a:p>
@@ -1082,7 +1082,7 @@
           <a:p>
             <a:fld id="{0DA6F2F8-F70A-47D7-AD2D-4F12E71A0C18}" type="datetimeFigureOut">
               <a:rPr lang="cs-CZ" smtClean="0"/>
-              <a:t>25.02.2020</a:t>
+              <a:t>26.02.2020</a:t>
             </a:fld>
             <a:endParaRPr lang="cs-CZ"/>
           </a:p>
@@ -1297,7 +1297,7 @@
           <a:p>
             <a:fld id="{0DA6F2F8-F70A-47D7-AD2D-4F12E71A0C18}" type="datetimeFigureOut">
               <a:rPr lang="cs-CZ" smtClean="0"/>
-              <a:t>25.02.2020</a:t>
+              <a:t>26.02.2020</a:t>
             </a:fld>
             <a:endParaRPr lang="cs-CZ"/>
           </a:p>
@@ -1572,7 +1572,7 @@
           <a:p>
             <a:fld id="{0DA6F2F8-F70A-47D7-AD2D-4F12E71A0C18}" type="datetimeFigureOut">
               <a:rPr lang="cs-CZ" smtClean="0"/>
-              <a:t>25.02.2020</a:t>
+              <a:t>26.02.2020</a:t>
             </a:fld>
             <a:endParaRPr lang="cs-CZ"/>
           </a:p>
@@ -1889,7 +1889,7 @@
           <a:p>
             <a:fld id="{0DA6F2F8-F70A-47D7-AD2D-4F12E71A0C18}" type="datetimeFigureOut">
               <a:rPr lang="cs-CZ" smtClean="0"/>
-              <a:t>25.02.2020</a:t>
+              <a:t>26.02.2020</a:t>
             </a:fld>
             <a:endParaRPr lang="cs-CZ" dirty="0"/>
           </a:p>
@@ -2340,7 +2340,7 @@
           <a:p>
             <a:fld id="{0DA6F2F8-F70A-47D7-AD2D-4F12E71A0C18}" type="datetimeFigureOut">
               <a:rPr lang="cs-CZ" smtClean="0"/>
-              <a:t>25.02.2020</a:t>
+              <a:t>26.02.2020</a:t>
             </a:fld>
             <a:endParaRPr lang="cs-CZ"/>
           </a:p>
@@ -2487,7 +2487,7 @@
           <a:p>
             <a:fld id="{0DA6F2F8-F70A-47D7-AD2D-4F12E71A0C18}" type="datetimeFigureOut">
               <a:rPr lang="cs-CZ" smtClean="0"/>
-              <a:t>25.02.2020</a:t>
+              <a:t>26.02.2020</a:t>
             </a:fld>
             <a:endParaRPr lang="cs-CZ"/>
           </a:p>
@@ -2594,7 +2594,7 @@
           <a:p>
             <a:fld id="{0DA6F2F8-F70A-47D7-AD2D-4F12E71A0C18}" type="datetimeFigureOut">
               <a:rPr lang="cs-CZ" smtClean="0"/>
-              <a:t>25.02.2020</a:t>
+              <a:t>26.02.2020</a:t>
             </a:fld>
             <a:endParaRPr lang="cs-CZ"/>
           </a:p>
@@ -2885,7 +2885,7 @@
           <a:p>
             <a:fld id="{0DA6F2F8-F70A-47D7-AD2D-4F12E71A0C18}" type="datetimeFigureOut">
               <a:rPr lang="cs-CZ" smtClean="0"/>
-              <a:t>25.02.2020</a:t>
+              <a:t>26.02.2020</a:t>
             </a:fld>
             <a:endParaRPr lang="cs-CZ"/>
           </a:p>
@@ -3154,7 +3154,7 @@
           <a:p>
             <a:fld id="{0DA6F2F8-F70A-47D7-AD2D-4F12E71A0C18}" type="datetimeFigureOut">
               <a:rPr lang="cs-CZ" smtClean="0"/>
-              <a:t>25.02.2020</a:t>
+              <a:t>26.02.2020</a:t>
             </a:fld>
             <a:endParaRPr lang="cs-CZ"/>
           </a:p>
@@ -3418,7 +3418,7 @@
           <a:p>
             <a:fld id="{0DA6F2F8-F70A-47D7-AD2D-4F12E71A0C18}" type="datetimeFigureOut">
               <a:rPr lang="cs-CZ" smtClean="0"/>
-              <a:t>25.02.2020</a:t>
+              <a:t>26.02.2020</a:t>
             </a:fld>
             <a:endParaRPr lang="cs-CZ"/>
           </a:p>
@@ -3842,16 +3842,21 @@
               <a:t>Blazor</a:t>
             </a:r>
             <a:br>
-              <a:rPr lang="cs-CZ" b="1" dirty="0"/>
+              <a:rPr lang="cs-CZ" b="1"/>
             </a:br>
             <a:r>
-              <a:rPr lang="cs-CZ" sz="4000" dirty="0">
+              <a:rPr lang="cs-CZ" sz="4000">
                 <a:solidFill>
                   <a:srgbClr val="000000"/>
                 </a:solidFill>
               </a:rPr>
-              <a:t>Lifecycle</a:t>
-            </a:r>
+              <a:t>Životní cyklus komponent</a:t>
+            </a:r>
+            <a:endParaRPr lang="cs-CZ" sz="4000" dirty="0">
+              <a:solidFill>
+                <a:srgbClr val="000000"/>
+              </a:solidFill>
+            </a:endParaRPr>
           </a:p>
         </p:txBody>
       </p:sp>
@@ -4756,12 +4761,9 @@
 </file>
 
 <file path=customXml/item1.xml><?xml version="1.0" encoding="utf-8"?>
-<?mso-contentType ?>
-<FormTemplates xmlns="http://schemas.microsoft.com/sharepoint/v3/contenttype/forms">
-  <Display>DocumentLibraryForm</Display>
-  <Edit>DocumentLibraryForm</Edit>
-  <New>DocumentLibraryForm</New>
-</FormTemplates>
+<p:properties xmlns:p="http://schemas.microsoft.com/office/2006/metadata/properties" xmlns:xsi="http://www.w3.org/2001/XMLSchema-instance" xmlns:pc="http://schemas.microsoft.com/office/infopath/2007/PartnerControls">
+  <documentManagement/>
+</p:properties>
 </file>
 
 <file path=customXml/item2.xml><?xml version="1.0" encoding="utf-8"?>
@@ -4879,15 +4881,19 @@
 </file>
 
 <file path=customXml/item3.xml><?xml version="1.0" encoding="utf-8"?>
-<p:properties xmlns:p="http://schemas.microsoft.com/office/2006/metadata/properties" xmlns:xsi="http://www.w3.org/2001/XMLSchema-instance" xmlns:pc="http://schemas.microsoft.com/office/infopath/2007/PartnerControls">
-  <documentManagement/>
-</p:properties>
+<?mso-contentType ?>
+<FormTemplates xmlns="http://schemas.microsoft.com/sharepoint/v3/contenttype/forms">
+  <Display>DocumentLibraryForm</Display>
+  <Edit>DocumentLibraryForm</Edit>
+  <New>DocumentLibraryForm</New>
+</FormTemplates>
 </file>
 
 <file path=customXml/itemProps1.xml><?xml version="1.0" encoding="utf-8"?>
-<ds:datastoreItem xmlns:ds="http://schemas.openxmlformats.org/officeDocument/2006/customXml" ds:itemID="{B22238E5-BDC0-4655-AFB5-A7405C559E7D}">
+<ds:datastoreItem xmlns:ds="http://schemas.openxmlformats.org/officeDocument/2006/customXml" ds:itemID="{317FD51D-081C-435E-8F5D-6D88218064D9}">
   <ds:schemaRefs>
-    <ds:schemaRef ds:uri="http://schemas.microsoft.com/sharepoint/v3/contenttype/forms"/>
+    <ds:schemaRef ds:uri="http://schemas.microsoft.com/office/2006/metadata/properties"/>
+    <ds:schemaRef ds:uri="http://schemas.microsoft.com/office/infopath/2007/PartnerControls"/>
   </ds:schemaRefs>
 </ds:datastoreItem>
 </file>
@@ -4909,10 +4915,9 @@
 </file>
 
 <file path=customXml/itemProps3.xml><?xml version="1.0" encoding="utf-8"?>
-<ds:datastoreItem xmlns:ds="http://schemas.openxmlformats.org/officeDocument/2006/customXml" ds:itemID="{317FD51D-081C-435E-8F5D-6D88218064D9}">
+<ds:datastoreItem xmlns:ds="http://schemas.openxmlformats.org/officeDocument/2006/customXml" ds:itemID="{B22238E5-BDC0-4655-AFB5-A7405C559E7D}">
   <ds:schemaRefs>
-    <ds:schemaRef ds:uri="http://schemas.microsoft.com/office/2006/metadata/properties"/>
-    <ds:schemaRef ds:uri="http://schemas.microsoft.com/office/infopath/2007/PartnerControls"/>
+    <ds:schemaRef ds:uri="http://schemas.microsoft.com/sharepoint/v3/contenttype/forms"/>
   </ds:schemaRefs>
 </ds:datastoreItem>
 </file>
--- a/Presentation/03 - Blazor - Lifecycle.pptx
+++ b/Presentation/03 - Blazor - Lifecycle.pptx
@@ -241,7 +241,7 @@
             <a:fld id="{A74C3DD1-6B4C-423E-A696-BD4124EC33BC}" type="datetimeFigureOut">
               <a:rPr lang="cs-CZ" smtClean="0"/>
               <a:pPr/>
-              <a:t>26.02.2020</a:t>
+              <a:t>27.02.2020</a:t>
             </a:fld>
             <a:endParaRPr lang="cs-CZ" dirty="0"/>
           </a:p>
@@ -708,7 +708,7 @@
           <a:p>
             <a:fld id="{0DA6F2F8-F70A-47D7-AD2D-4F12E71A0C18}" type="datetimeFigureOut">
               <a:rPr lang="cs-CZ" smtClean="0"/>
-              <a:t>26.02.2020</a:t>
+              <a:t>27.02.2020</a:t>
             </a:fld>
             <a:endParaRPr lang="cs-CZ"/>
           </a:p>
@@ -890,7 +890,7 @@
           <a:p>
             <a:fld id="{0DA6F2F8-F70A-47D7-AD2D-4F12E71A0C18}" type="datetimeFigureOut">
               <a:rPr lang="cs-CZ" smtClean="0"/>
-              <a:t>26.02.2020</a:t>
+              <a:t>27.02.2020</a:t>
             </a:fld>
             <a:endParaRPr lang="cs-CZ"/>
           </a:p>
@@ -1082,7 +1082,7 @@
           <a:p>
             <a:fld id="{0DA6F2F8-F70A-47D7-AD2D-4F12E71A0C18}" type="datetimeFigureOut">
               <a:rPr lang="cs-CZ" smtClean="0"/>
-              <a:t>26.02.2020</a:t>
+              <a:t>27.02.2020</a:t>
             </a:fld>
             <a:endParaRPr lang="cs-CZ"/>
           </a:p>
@@ -1297,7 +1297,7 @@
           <a:p>
             <a:fld id="{0DA6F2F8-F70A-47D7-AD2D-4F12E71A0C18}" type="datetimeFigureOut">
               <a:rPr lang="cs-CZ" smtClean="0"/>
-              <a:t>26.02.2020</a:t>
+              <a:t>27.02.2020</a:t>
             </a:fld>
             <a:endParaRPr lang="cs-CZ"/>
           </a:p>
@@ -1572,7 +1572,7 @@
           <a:p>
             <a:fld id="{0DA6F2F8-F70A-47D7-AD2D-4F12E71A0C18}" type="datetimeFigureOut">
               <a:rPr lang="cs-CZ" smtClean="0"/>
-              <a:t>26.02.2020</a:t>
+              <a:t>27.02.2020</a:t>
             </a:fld>
             <a:endParaRPr lang="cs-CZ"/>
           </a:p>
@@ -1889,7 +1889,7 @@
           <a:p>
             <a:fld id="{0DA6F2F8-F70A-47D7-AD2D-4F12E71A0C18}" type="datetimeFigureOut">
               <a:rPr lang="cs-CZ" smtClean="0"/>
-              <a:t>26.02.2020</a:t>
+              <a:t>27.02.2020</a:t>
             </a:fld>
             <a:endParaRPr lang="cs-CZ" dirty="0"/>
           </a:p>
@@ -2340,7 +2340,7 @@
           <a:p>
             <a:fld id="{0DA6F2F8-F70A-47D7-AD2D-4F12E71A0C18}" type="datetimeFigureOut">
               <a:rPr lang="cs-CZ" smtClean="0"/>
-              <a:t>26.02.2020</a:t>
+              <a:t>27.02.2020</a:t>
             </a:fld>
             <a:endParaRPr lang="cs-CZ"/>
           </a:p>
@@ -2487,7 +2487,7 @@
           <a:p>
             <a:fld id="{0DA6F2F8-F70A-47D7-AD2D-4F12E71A0C18}" type="datetimeFigureOut">
               <a:rPr lang="cs-CZ" smtClean="0"/>
-              <a:t>26.02.2020</a:t>
+              <a:t>27.02.2020</a:t>
             </a:fld>
             <a:endParaRPr lang="cs-CZ"/>
           </a:p>
@@ -2594,7 +2594,7 @@
           <a:p>
             <a:fld id="{0DA6F2F8-F70A-47D7-AD2D-4F12E71A0C18}" type="datetimeFigureOut">
               <a:rPr lang="cs-CZ" smtClean="0"/>
-              <a:t>26.02.2020</a:t>
+              <a:t>27.02.2020</a:t>
             </a:fld>
             <a:endParaRPr lang="cs-CZ"/>
           </a:p>
@@ -2885,7 +2885,7 @@
           <a:p>
             <a:fld id="{0DA6F2F8-F70A-47D7-AD2D-4F12E71A0C18}" type="datetimeFigureOut">
               <a:rPr lang="cs-CZ" smtClean="0"/>
-              <a:t>26.02.2020</a:t>
+              <a:t>27.02.2020</a:t>
             </a:fld>
             <a:endParaRPr lang="cs-CZ"/>
           </a:p>
@@ -3154,7 +3154,7 @@
           <a:p>
             <a:fld id="{0DA6F2F8-F70A-47D7-AD2D-4F12E71A0C18}" type="datetimeFigureOut">
               <a:rPr lang="cs-CZ" smtClean="0"/>
-              <a:t>26.02.2020</a:t>
+              <a:t>27.02.2020</a:t>
             </a:fld>
             <a:endParaRPr lang="cs-CZ"/>
           </a:p>
@@ -3418,7 +3418,7 @@
           <a:p>
             <a:fld id="{0DA6F2F8-F70A-47D7-AD2D-4F12E71A0C18}" type="datetimeFigureOut">
               <a:rPr lang="cs-CZ" smtClean="0"/>
-              <a:t>26.02.2020</a:t>
+              <a:t>27.02.2020</a:t>
             </a:fld>
             <a:endParaRPr lang="cs-CZ"/>
           </a:p>
@@ -3964,7 +3964,7 @@
         <p:spPr/>
         <p:txBody>
           <a:bodyPr>
-            <a:normAutofit/>
+            <a:normAutofit lnSpcReduction="10000"/>
           </a:bodyPr>
           <a:lstStyle/>
           <a:p>
@@ -4008,6 +4008,15 @@
               <a:t>https://knowledge-base.havit.eu/2019/11/02/blazor-component-lifecycle-diagram/</a:t>
             </a:r>
             <a:endParaRPr lang="cs-CZ" dirty="0"/>
+          </a:p>
+          <a:p>
+            <a:endParaRPr lang="cs-CZ" dirty="0"/>
+          </a:p>
+          <a:p>
+            <a:r>
+              <a:rPr lang="cs-CZ" dirty="0"/>
+              <a:t>IDisposable.Dispose</a:t>
+            </a:r>
           </a:p>
         </p:txBody>
       </p:sp>
@@ -4023,14 +4032,10 @@
   </p:clrMapOvr>
   <mc:AlternateContent xmlns:mc="http://schemas.openxmlformats.org/markup-compatibility/2006" xmlns:p14="http://schemas.microsoft.com/office/powerpoint/2010/main">
     <mc:Choice Requires="p14">
-      <p:transition spd="med" p14:dur="700">
-        <p:fade/>
-      </p:transition>
+      <p:transition p14:dur="0"/>
     </mc:Choice>
     <mc:Fallback xmlns="">
-      <p:transition spd="med">
-        <p:fade/>
-      </p:transition>
+      <p:transition/>
     </mc:Fallback>
   </mc:AlternateContent>
 </p:sld>
@@ -4761,12 +4766,21 @@
 </file>
 
 <file path=customXml/item1.xml><?xml version="1.0" encoding="utf-8"?>
+<?mso-contentType ?>
+<FormTemplates xmlns="http://schemas.microsoft.com/sharepoint/v3/contenttype/forms">
+  <Display>DocumentLibraryForm</Display>
+  <Edit>DocumentLibraryForm</Edit>
+  <New>DocumentLibraryForm</New>
+</FormTemplates>
+</file>
+
+<file path=customXml/item2.xml><?xml version="1.0" encoding="utf-8"?>
 <p:properties xmlns:p="http://schemas.microsoft.com/office/2006/metadata/properties" xmlns:xsi="http://www.w3.org/2001/XMLSchema-instance" xmlns:pc="http://schemas.microsoft.com/office/infopath/2007/PartnerControls">
   <documentManagement/>
 </p:properties>
 </file>
 
-<file path=customXml/item2.xml><?xml version="1.0" encoding="utf-8"?>
+<file path=customXml/item3.xml><?xml version="1.0" encoding="utf-8"?>
 <ct:contentTypeSchema xmlns:ct="http://schemas.microsoft.com/office/2006/metadata/contentType" xmlns:ma="http://schemas.microsoft.com/office/2006/metadata/properties/metaAttributes" ct:_="" ma:_="" ma:contentTypeName="Dokument" ma:contentTypeID="0x0101000FED9D5FE1F44145801737A7BA47560B" ma:contentTypeVersion="0" ma:contentTypeDescription="Vytvoří nový dokument" ma:contentTypeScope="" ma:versionID="865cee90d61be235413a64cabd79a281">
   <xsd:schema xmlns:xsd="http://www.w3.org/2001/XMLSchema" xmlns:xs="http://www.w3.org/2001/XMLSchema" xmlns:p="http://schemas.microsoft.com/office/2006/metadata/properties" targetNamespace="http://schemas.microsoft.com/office/2006/metadata/properties" ma:root="true" ma:fieldsID="871d6b51c5141eb32e0d04e037372b3c">
     <xsd:element name="properties">
@@ -4880,16 +4894,15 @@
 </ct:contentTypeSchema>
 </file>
 
-<file path=customXml/item3.xml><?xml version="1.0" encoding="utf-8"?>
-<?mso-contentType ?>
-<FormTemplates xmlns="http://schemas.microsoft.com/sharepoint/v3/contenttype/forms">
-  <Display>DocumentLibraryForm</Display>
-  <Edit>DocumentLibraryForm</Edit>
-  <New>DocumentLibraryForm</New>
-</FormTemplates>
+<file path=customXml/itemProps1.xml><?xml version="1.0" encoding="utf-8"?>
+<ds:datastoreItem xmlns:ds="http://schemas.openxmlformats.org/officeDocument/2006/customXml" ds:itemID="{B22238E5-BDC0-4655-AFB5-A7405C559E7D}">
+  <ds:schemaRefs>
+    <ds:schemaRef ds:uri="http://schemas.microsoft.com/sharepoint/v3/contenttype/forms"/>
+  </ds:schemaRefs>
+</ds:datastoreItem>
 </file>
 
-<file path=customXml/itemProps1.xml><?xml version="1.0" encoding="utf-8"?>
+<file path=customXml/itemProps2.xml><?xml version="1.0" encoding="utf-8"?>
 <ds:datastoreItem xmlns:ds="http://schemas.openxmlformats.org/officeDocument/2006/customXml" ds:itemID="{317FD51D-081C-435E-8F5D-6D88218064D9}">
   <ds:schemaRefs>
     <ds:schemaRef ds:uri="http://schemas.microsoft.com/office/2006/metadata/properties"/>
@@ -4898,7 +4911,7 @@
 </ds:datastoreItem>
 </file>
 
-<file path=customXml/itemProps2.xml><?xml version="1.0" encoding="utf-8"?>
+<file path=customXml/itemProps3.xml><?xml version="1.0" encoding="utf-8"?>
 <ds:datastoreItem xmlns:ds="http://schemas.openxmlformats.org/officeDocument/2006/customXml" ds:itemID="{BABDB233-CC77-4AD7-B48B-2F061438568A}">
   <ds:schemaRefs>
     <ds:schemaRef ds:uri="http://schemas.microsoft.com/office/2006/metadata/contentType"/>
@@ -4912,12 +4925,4 @@
     <ds:schemaRef ds:uri="http://schemas.microsoft.com/office/infopath/2007/PartnerControls"/>
   </ds:schemaRefs>
 </ds:datastoreItem>
-</file>
-
-<file path=customXml/itemProps3.xml><?xml version="1.0" encoding="utf-8"?>
-<ds:datastoreItem xmlns:ds="http://schemas.openxmlformats.org/officeDocument/2006/customXml" ds:itemID="{B22238E5-BDC0-4655-AFB5-A7405C559E7D}">
-  <ds:schemaRefs>
-    <ds:schemaRef ds:uri="http://schemas.microsoft.com/sharepoint/v3/contenttype/forms"/>
-  </ds:schemaRefs>
-</ds:datastoreItem>
 </file>
--- a/Presentation/03 - Blazor - Lifecycle.pptx
+++ b/Presentation/03 - Blazor - Lifecycle.pptx
@@ -5,12 +5,14 @@
     <p:sldMasterId id="2147483794" r:id="rId4"/>
   </p:sldMasterIdLst>
   <p:notesMasterIdLst>
-    <p:notesMasterId r:id="rId8"/>
+    <p:notesMasterId r:id="rId10"/>
   </p:notesMasterIdLst>
   <p:sldIdLst>
     <p:sldId id="256" r:id="rId5"/>
-    <p:sldId id="330" r:id="rId6"/>
+    <p:sldId id="333" r:id="rId6"/>
     <p:sldId id="329" r:id="rId7"/>
+    <p:sldId id="331" r:id="rId8"/>
+    <p:sldId id="332" r:id="rId9"/>
   </p:sldIdLst>
   <p:sldSz cx="12192000" cy="6858000"/>
   <p:notesSz cx="6858000" cy="9144000"/>
@@ -241,7 +243,7 @@
             <a:fld id="{A74C3DD1-6B4C-423E-A696-BD4124EC33BC}" type="datetimeFigureOut">
               <a:rPr lang="cs-CZ" smtClean="0"/>
               <a:pPr/>
-              <a:t>27.02.2020</a:t>
+              <a:t>07.10.2021</a:t>
             </a:fld>
             <a:endParaRPr lang="cs-CZ" dirty="0"/>
           </a:p>
@@ -708,7 +710,7 @@
           <a:p>
             <a:fld id="{0DA6F2F8-F70A-47D7-AD2D-4F12E71A0C18}" type="datetimeFigureOut">
               <a:rPr lang="cs-CZ" smtClean="0"/>
-              <a:t>27.02.2020</a:t>
+              <a:t>07.10.2021</a:t>
             </a:fld>
             <a:endParaRPr lang="cs-CZ"/>
           </a:p>
@@ -890,7 +892,7 @@
           <a:p>
             <a:fld id="{0DA6F2F8-F70A-47D7-AD2D-4F12E71A0C18}" type="datetimeFigureOut">
               <a:rPr lang="cs-CZ" smtClean="0"/>
-              <a:t>27.02.2020</a:t>
+              <a:t>07.10.2021</a:t>
             </a:fld>
             <a:endParaRPr lang="cs-CZ"/>
           </a:p>
@@ -1082,7 +1084,7 @@
           <a:p>
             <a:fld id="{0DA6F2F8-F70A-47D7-AD2D-4F12E71A0C18}" type="datetimeFigureOut">
               <a:rPr lang="cs-CZ" smtClean="0"/>
-              <a:t>27.02.2020</a:t>
+              <a:t>07.10.2021</a:t>
             </a:fld>
             <a:endParaRPr lang="cs-CZ"/>
           </a:p>
@@ -1297,7 +1299,7 @@
           <a:p>
             <a:fld id="{0DA6F2F8-F70A-47D7-AD2D-4F12E71A0C18}" type="datetimeFigureOut">
               <a:rPr lang="cs-CZ" smtClean="0"/>
-              <a:t>27.02.2020</a:t>
+              <a:t>07.10.2021</a:t>
             </a:fld>
             <a:endParaRPr lang="cs-CZ"/>
           </a:p>
@@ -1572,7 +1574,7 @@
           <a:p>
             <a:fld id="{0DA6F2F8-F70A-47D7-AD2D-4F12E71A0C18}" type="datetimeFigureOut">
               <a:rPr lang="cs-CZ" smtClean="0"/>
-              <a:t>27.02.2020</a:t>
+              <a:t>07.10.2021</a:t>
             </a:fld>
             <a:endParaRPr lang="cs-CZ"/>
           </a:p>
@@ -1889,7 +1891,7 @@
           <a:p>
             <a:fld id="{0DA6F2F8-F70A-47D7-AD2D-4F12E71A0C18}" type="datetimeFigureOut">
               <a:rPr lang="cs-CZ" smtClean="0"/>
-              <a:t>27.02.2020</a:t>
+              <a:t>07.10.2021</a:t>
             </a:fld>
             <a:endParaRPr lang="cs-CZ" dirty="0"/>
           </a:p>
@@ -2340,7 +2342,7 @@
           <a:p>
             <a:fld id="{0DA6F2F8-F70A-47D7-AD2D-4F12E71A0C18}" type="datetimeFigureOut">
               <a:rPr lang="cs-CZ" smtClean="0"/>
-              <a:t>27.02.2020</a:t>
+              <a:t>07.10.2021</a:t>
             </a:fld>
             <a:endParaRPr lang="cs-CZ"/>
           </a:p>
@@ -2487,7 +2489,7 @@
           <a:p>
             <a:fld id="{0DA6F2F8-F70A-47D7-AD2D-4F12E71A0C18}" type="datetimeFigureOut">
               <a:rPr lang="cs-CZ" smtClean="0"/>
-              <a:t>27.02.2020</a:t>
+              <a:t>07.10.2021</a:t>
             </a:fld>
             <a:endParaRPr lang="cs-CZ"/>
           </a:p>
@@ -2594,7 +2596,7 @@
           <a:p>
             <a:fld id="{0DA6F2F8-F70A-47D7-AD2D-4F12E71A0C18}" type="datetimeFigureOut">
               <a:rPr lang="cs-CZ" smtClean="0"/>
-              <a:t>27.02.2020</a:t>
+              <a:t>07.10.2021</a:t>
             </a:fld>
             <a:endParaRPr lang="cs-CZ"/>
           </a:p>
@@ -2885,7 +2887,7 @@
           <a:p>
             <a:fld id="{0DA6F2F8-F70A-47D7-AD2D-4F12E71A0C18}" type="datetimeFigureOut">
               <a:rPr lang="cs-CZ" smtClean="0"/>
-              <a:t>27.02.2020</a:t>
+              <a:t>07.10.2021</a:t>
             </a:fld>
             <a:endParaRPr lang="cs-CZ"/>
           </a:p>
@@ -3154,7 +3156,7 @@
           <a:p>
             <a:fld id="{0DA6F2F8-F70A-47D7-AD2D-4F12E71A0C18}" type="datetimeFigureOut">
               <a:rPr lang="cs-CZ" smtClean="0"/>
-              <a:t>27.02.2020</a:t>
+              <a:t>07.10.2021</a:t>
             </a:fld>
             <a:endParaRPr lang="cs-CZ"/>
           </a:p>
@@ -3418,7 +3420,7 @@
           <a:p>
             <a:fld id="{0DA6F2F8-F70A-47D7-AD2D-4F12E71A0C18}" type="datetimeFigureOut">
               <a:rPr lang="cs-CZ" smtClean="0"/>
-              <a:t>27.02.2020</a:t>
+              <a:t>07.10.2021</a:t>
             </a:fld>
             <a:endParaRPr lang="cs-CZ"/>
           </a:p>
@@ -3964,19 +3966,19 @@
         <p:spPr/>
         <p:txBody>
           <a:bodyPr>
-            <a:normAutofit lnSpcReduction="10000"/>
+            <a:normAutofit fontScale="92500" lnSpcReduction="10000"/>
           </a:bodyPr>
           <a:lstStyle/>
           <a:p>
             <a:r>
               <a:rPr lang="cs-CZ" dirty="0"/>
+              <a:t>SetParametersAsync</a:t>
+            </a:r>
+          </a:p>
+          <a:p>
+            <a:r>
+              <a:rPr lang="cs-CZ" dirty="0"/>
               <a:t>OnInitialized[Async]</a:t>
-            </a:r>
-          </a:p>
-          <a:p>
-            <a:r>
-              <a:rPr lang="cs-CZ" dirty="0"/>
-              <a:t>SetParametersAsync</a:t>
             </a:r>
           </a:p>
           <a:p>
@@ -3989,6 +3991,18 @@
             <a:r>
               <a:rPr lang="cs-CZ" dirty="0"/>
               <a:t>ShouldRender</a:t>
+            </a:r>
+          </a:p>
+          <a:p>
+            <a:r>
+              <a:rPr lang="cs-CZ" dirty="0">
+                <a:solidFill>
+                  <a:schemeClr val="bg1">
+                    <a:lumMod val="65000"/>
+                  </a:schemeClr>
+                </a:solidFill>
+              </a:rPr>
+              <a:t>BuildRenderTree</a:t>
             </a:r>
           </a:p>
           <a:p>
@@ -4015,7 +4029,7 @@
           <a:p>
             <a:r>
               <a:rPr lang="cs-CZ" dirty="0"/>
-              <a:t>IDisposable.Dispose</a:t>
+              <a:t>IDisposable.Dispose, IAsyncDisposable.DisposeAsync</a:t>
             </a:r>
           </a:p>
         </p:txBody>
@@ -4023,7 +4037,7 @@
     </p:spTree>
     <p:extLst>
       <p:ext uri="{BB962C8B-B14F-4D97-AF65-F5344CB8AC3E}">
-        <p14:creationId xmlns:p14="http://schemas.microsoft.com/office/powerpoint/2010/main" val="1223539491"/>
+        <p14:creationId xmlns:p14="http://schemas.microsoft.com/office/powerpoint/2010/main" val="855482736"/>
       </p:ext>
     </p:extLst>
   </p:cSld>
@@ -4173,6 +4187,350 @@
     <p:extLst>
       <p:ext uri="{BB962C8B-B14F-4D97-AF65-F5344CB8AC3E}">
         <p14:creationId xmlns:p14="http://schemas.microsoft.com/office/powerpoint/2010/main" val="3599125898"/>
+      </p:ext>
+    </p:extLst>
+  </p:cSld>
+  <p:clrMapOvr>
+    <a:masterClrMapping/>
+  </p:clrMapOvr>
+  <mc:AlternateContent xmlns:mc="http://schemas.openxmlformats.org/markup-compatibility/2006" xmlns:p14="http://schemas.microsoft.com/office/powerpoint/2010/main">
+    <mc:Choice Requires="p14">
+      <p:transition p14:dur="0"/>
+    </mc:Choice>
+    <mc:Fallback xmlns="">
+      <p:transition/>
+    </mc:Fallback>
+  </mc:AlternateContent>
+</p:sld>
+</file>
+
+<file path=ppt/slides/slide4.xml><?xml version="1.0" encoding="utf-8"?>
+<p:sld xmlns:a="http://schemas.openxmlformats.org/drawingml/2006/main" xmlns:r="http://schemas.openxmlformats.org/officeDocument/2006/relationships" xmlns:p="http://schemas.openxmlformats.org/presentationml/2006/main">
+  <p:cSld>
+    <p:spTree>
+      <p:nvGrpSpPr>
+        <p:cNvPr id="1" name=""/>
+        <p:cNvGrpSpPr/>
+        <p:nvPr/>
+      </p:nvGrpSpPr>
+      <p:grpSpPr>
+        <a:xfrm>
+          <a:off x="0" y="0"/>
+          <a:ext cx="0" cy="0"/>
+          <a:chOff x="0" y="0"/>
+          <a:chExt cx="0" cy="0"/>
+        </a:xfrm>
+      </p:grpSpPr>
+      <p:sp>
+        <p:nvSpPr>
+          <p:cNvPr id="2" name="Title 1">
+            <a:extLst>
+              <a:ext uri="{FF2B5EF4-FFF2-40B4-BE49-F238E27FC236}">
+                <a16:creationId xmlns:a16="http://schemas.microsoft.com/office/drawing/2014/main" id="{CB04C9BE-800B-49A7-A08D-CEB5CED67FDD}"/>
+              </a:ext>
+            </a:extLst>
+          </p:cNvPr>
+          <p:cNvSpPr>
+            <a:spLocks noGrp="1"/>
+          </p:cNvSpPr>
+          <p:nvPr>
+            <p:ph type="title"/>
+          </p:nvPr>
+        </p:nvSpPr>
+        <p:spPr/>
+        <p:txBody>
+          <a:bodyPr/>
+          <a:lstStyle/>
+          <a:p>
+            <a:r>
+              <a:rPr lang="cs-CZ" dirty="0"/>
+              <a:t>Životní cyklus komponent</a:t>
+            </a:r>
+          </a:p>
+        </p:txBody>
+      </p:sp>
+      <p:sp>
+        <p:nvSpPr>
+          <p:cNvPr id="3" name="Content Placeholder 2">
+            <a:extLst>
+              <a:ext uri="{FF2B5EF4-FFF2-40B4-BE49-F238E27FC236}">
+                <a16:creationId xmlns:a16="http://schemas.microsoft.com/office/drawing/2014/main" id="{FB418A4C-9A9B-4499-B759-9AF77915E766}"/>
+              </a:ext>
+            </a:extLst>
+          </p:cNvPr>
+          <p:cNvSpPr>
+            <a:spLocks noGrp="1"/>
+          </p:cNvSpPr>
+          <p:nvPr>
+            <p:ph idx="1"/>
+          </p:nvPr>
+        </p:nvSpPr>
+        <p:spPr/>
+        <p:txBody>
+          <a:bodyPr>
+            <a:normAutofit/>
+          </a:bodyPr>
+          <a:lstStyle/>
+          <a:p>
+            <a:r>
+              <a:rPr lang="cs-CZ" dirty="0"/>
+              <a:t>SetParametersAsync </a:t>
+            </a:r>
+            <a:r>
+              <a:rPr lang="cs-CZ" dirty="0">
+                <a:sym typeface="Wingdings" panose="05000000000000000000" pitchFamily="2" charset="2"/>
+              </a:rPr>
+              <a:t> vlastní řešení parametrů (výjimečné)</a:t>
+            </a:r>
+            <a:endParaRPr lang="cs-CZ" dirty="0"/>
+          </a:p>
+          <a:p>
+            <a:r>
+              <a:rPr lang="cs-CZ" dirty="0"/>
+              <a:t>OnInitialized[Async] </a:t>
+            </a:r>
+            <a:r>
+              <a:rPr lang="cs-CZ" dirty="0">
+                <a:sym typeface="Wingdings" panose="05000000000000000000" pitchFamily="2" charset="2"/>
+              </a:rPr>
+              <a:t> jedenkrát</a:t>
+            </a:r>
+            <a:endParaRPr lang="cs-CZ" dirty="0"/>
+          </a:p>
+          <a:p>
+            <a:r>
+              <a:rPr lang="cs-CZ" dirty="0"/>
+              <a:t>OnParametersSet[Async] </a:t>
+            </a:r>
+            <a:r>
+              <a:rPr lang="cs-CZ" dirty="0">
+                <a:sym typeface="Wingdings" panose="05000000000000000000" pitchFamily="2" charset="2"/>
+              </a:rPr>
+              <a:t> po každém nastavení parametrů</a:t>
+            </a:r>
+            <a:endParaRPr lang="cs-CZ" dirty="0"/>
+          </a:p>
+          <a:p>
+            <a:r>
+              <a:rPr lang="cs-CZ" dirty="0"/>
+              <a:t>ShouldRender </a:t>
+            </a:r>
+            <a:r>
+              <a:rPr lang="cs-CZ" dirty="0">
+                <a:sym typeface="Wingdings" panose="05000000000000000000" pitchFamily="2" charset="2"/>
+              </a:rPr>
+              <a:t> po prvním renderu</a:t>
+            </a:r>
+          </a:p>
+          <a:p>
+            <a:r>
+              <a:rPr lang="cs-CZ" dirty="0">
+                <a:solidFill>
+                  <a:schemeClr val="bg1">
+                    <a:lumMod val="65000"/>
+                  </a:schemeClr>
+                </a:solidFill>
+              </a:rPr>
+              <a:t>BuildRenderTree </a:t>
+            </a:r>
+            <a:r>
+              <a:rPr lang="cs-CZ" dirty="0">
+                <a:solidFill>
+                  <a:schemeClr val="bg1">
+                    <a:lumMod val="65000"/>
+                  </a:schemeClr>
+                </a:solidFill>
+                <a:sym typeface="Wingdings" panose="05000000000000000000" pitchFamily="2" charset="2"/>
+              </a:rPr>
+              <a:t> první render automaticky, pak dle ShouldRender</a:t>
+            </a:r>
+            <a:endParaRPr lang="cs-CZ" dirty="0"/>
+          </a:p>
+          <a:p>
+            <a:r>
+              <a:rPr lang="cs-CZ" dirty="0"/>
+              <a:t>OnAfterRender[Async] </a:t>
+            </a:r>
+            <a:r>
+              <a:rPr lang="cs-CZ" dirty="0">
+                <a:sym typeface="Wingdings" panose="05000000000000000000" pitchFamily="2" charset="2"/>
+              </a:rPr>
+              <a:t> @ref</a:t>
+            </a:r>
+            <a:endParaRPr lang="cs-CZ" dirty="0"/>
+          </a:p>
+          <a:p>
+            <a:endParaRPr lang="cs-CZ" dirty="0"/>
+          </a:p>
+          <a:p>
+            <a:r>
+              <a:rPr lang="cs-CZ" dirty="0"/>
+              <a:t>IAsyncDisposable.DisposeAsync </a:t>
+            </a:r>
+            <a:r>
+              <a:rPr lang="cs-CZ" b="1" dirty="0"/>
+              <a:t>nebo</a:t>
+            </a:r>
+            <a:r>
+              <a:rPr lang="cs-CZ" dirty="0"/>
+              <a:t> IDisposable.Dispose</a:t>
+            </a:r>
+          </a:p>
+        </p:txBody>
+      </p:sp>
+    </p:spTree>
+    <p:extLst>
+      <p:ext uri="{BB962C8B-B14F-4D97-AF65-F5344CB8AC3E}">
+        <p14:creationId xmlns:p14="http://schemas.microsoft.com/office/powerpoint/2010/main" val="3626801051"/>
+      </p:ext>
+    </p:extLst>
+  </p:cSld>
+  <p:clrMapOvr>
+    <a:masterClrMapping/>
+  </p:clrMapOvr>
+  <mc:AlternateContent xmlns:mc="http://schemas.openxmlformats.org/markup-compatibility/2006" xmlns:p14="http://schemas.microsoft.com/office/powerpoint/2010/main">
+    <mc:Choice Requires="p14">
+      <p:transition p14:dur="0"/>
+    </mc:Choice>
+    <mc:Fallback xmlns="">
+      <p:transition/>
+    </mc:Fallback>
+  </mc:AlternateContent>
+</p:sld>
+</file>
+
+<file path=ppt/slides/slide5.xml><?xml version="1.0" encoding="utf-8"?>
+<p:sld xmlns:a="http://schemas.openxmlformats.org/drawingml/2006/main" xmlns:r="http://schemas.openxmlformats.org/officeDocument/2006/relationships" xmlns:p="http://schemas.openxmlformats.org/presentationml/2006/main">
+  <p:cSld>
+    <p:spTree>
+      <p:nvGrpSpPr>
+        <p:cNvPr id="1" name=""/>
+        <p:cNvGrpSpPr/>
+        <p:nvPr/>
+      </p:nvGrpSpPr>
+      <p:grpSpPr>
+        <a:xfrm>
+          <a:off x="0" y="0"/>
+          <a:ext cx="0" cy="0"/>
+          <a:chOff x="0" y="0"/>
+          <a:chExt cx="0" cy="0"/>
+        </a:xfrm>
+      </p:grpSpPr>
+      <p:sp>
+        <p:nvSpPr>
+          <p:cNvPr id="2" name="Title 1">
+            <a:extLst>
+              <a:ext uri="{FF2B5EF4-FFF2-40B4-BE49-F238E27FC236}">
+                <a16:creationId xmlns:a16="http://schemas.microsoft.com/office/drawing/2014/main" id="{9157A232-74DF-43A9-9BB1-7FD2335C9421}"/>
+              </a:ext>
+            </a:extLst>
+          </p:cNvPr>
+          <p:cNvSpPr>
+            <a:spLocks noGrp="1"/>
+          </p:cNvSpPr>
+          <p:nvPr>
+            <p:ph type="title"/>
+          </p:nvPr>
+        </p:nvSpPr>
+        <p:spPr>
+          <a:xfrm>
+            <a:off x="911424" y="3056980"/>
+            <a:ext cx="10363200" cy="3324348"/>
+          </a:xfrm>
+        </p:spPr>
+        <p:txBody>
+          <a:bodyPr>
+            <a:normAutofit/>
+          </a:bodyPr>
+          <a:lstStyle/>
+          <a:p>
+            <a:endParaRPr lang="cs-CZ" sz="4000" dirty="0"/>
+          </a:p>
+        </p:txBody>
+      </p:sp>
+      <p:sp>
+        <p:nvSpPr>
+          <p:cNvPr id="3" name="Text Placeholder 2">
+            <a:extLst>
+              <a:ext uri="{FF2B5EF4-FFF2-40B4-BE49-F238E27FC236}">
+                <a16:creationId xmlns:a16="http://schemas.microsoft.com/office/drawing/2014/main" id="{3B170FEF-CB05-4925-B91B-04DA5FDB9C18}"/>
+              </a:ext>
+            </a:extLst>
+          </p:cNvPr>
+          <p:cNvSpPr>
+            <a:spLocks noGrp="1"/>
+          </p:cNvSpPr>
+          <p:nvPr>
+            <p:ph type="body" idx="1"/>
+          </p:nvPr>
+        </p:nvSpPr>
+        <p:spPr/>
+        <p:txBody>
+          <a:bodyPr>
+            <a:normAutofit/>
+          </a:bodyPr>
+          <a:lstStyle/>
+          <a:p>
+            <a:r>
+              <a:rPr lang="cs-CZ" sz="4000" b="1" dirty="0">
+                <a:latin typeface="+mj-lt"/>
+              </a:rPr>
+              <a:t>Další scénáře</a:t>
+            </a:r>
+          </a:p>
+        </p:txBody>
+      </p:sp>
+      <p:pic>
+        <p:nvPicPr>
+          <p:cNvPr id="4098" name="Picture 2" descr="Image result for demo">
+            <a:extLst>
+              <a:ext uri="{FF2B5EF4-FFF2-40B4-BE49-F238E27FC236}">
+                <a16:creationId xmlns:a16="http://schemas.microsoft.com/office/drawing/2014/main" id="{27446DE1-DCF5-4DC9-85F6-2193DDB1474F}"/>
+              </a:ext>
+            </a:extLst>
+          </p:cNvPr>
+          <p:cNvPicPr>
+            <a:picLocks noChangeAspect="1" noChangeArrowheads="1"/>
+          </p:cNvPicPr>
+          <p:nvPr/>
+        </p:nvPicPr>
+        <p:blipFill>
+          <a:blip r:embed="rId2">
+            <a:extLst>
+              <a:ext uri="{28A0092B-C50C-407E-A947-70E740481C1C}">
+                <a14:useLocalDpi xmlns:a14="http://schemas.microsoft.com/office/drawing/2010/main" val="0"/>
+              </a:ext>
+            </a:extLst>
+          </a:blip>
+          <a:srcRect/>
+          <a:stretch>
+            <a:fillRect/>
+          </a:stretch>
+        </p:blipFill>
+        <p:spPr bwMode="auto">
+          <a:xfrm>
+            <a:off x="6600056" y="280849"/>
+            <a:ext cx="5842620" cy="2430530"/>
+          </a:xfrm>
+          <a:prstGeom prst="rect">
+            <a:avLst/>
+          </a:prstGeom>
+          <a:noFill/>
+          <a:extLst>
+            <a:ext uri="{909E8E84-426E-40DD-AFC4-6F175D3DCCD1}">
+              <a14:hiddenFill xmlns:a14="http://schemas.microsoft.com/office/drawing/2010/main">
+                <a:solidFill>
+                  <a:srgbClr val="FFFFFF"/>
+                </a:solidFill>
+              </a14:hiddenFill>
+            </a:ext>
+          </a:extLst>
+        </p:spPr>
+      </p:pic>
+    </p:spTree>
+    <p:extLst>
+      <p:ext uri="{BB962C8B-B14F-4D97-AF65-F5344CB8AC3E}">
+        <p14:creationId xmlns:p14="http://schemas.microsoft.com/office/powerpoint/2010/main" val="182554944"/>
       </p:ext>
     </p:extLst>
   </p:cSld>
@@ -4766,21 +5124,6 @@
 </file>
 
 <file path=customXml/item1.xml><?xml version="1.0" encoding="utf-8"?>
-<?mso-contentType ?>
-<FormTemplates xmlns="http://schemas.microsoft.com/sharepoint/v3/contenttype/forms">
-  <Display>DocumentLibraryForm</Display>
-  <Edit>DocumentLibraryForm</Edit>
-  <New>DocumentLibraryForm</New>
-</FormTemplates>
-</file>
-
-<file path=customXml/item2.xml><?xml version="1.0" encoding="utf-8"?>
-<p:properties xmlns:p="http://schemas.microsoft.com/office/2006/metadata/properties" xmlns:xsi="http://www.w3.org/2001/XMLSchema-instance" xmlns:pc="http://schemas.microsoft.com/office/infopath/2007/PartnerControls">
-  <documentManagement/>
-</p:properties>
-</file>
-
-<file path=customXml/item3.xml><?xml version="1.0" encoding="utf-8"?>
 <ct:contentTypeSchema xmlns:ct="http://schemas.microsoft.com/office/2006/metadata/contentType" xmlns:ma="http://schemas.microsoft.com/office/2006/metadata/properties/metaAttributes" ct:_="" ma:_="" ma:contentTypeName="Dokument" ma:contentTypeID="0x0101000FED9D5FE1F44145801737A7BA47560B" ma:contentTypeVersion="0" ma:contentTypeDescription="Vytvoří nový dokument" ma:contentTypeScope="" ma:versionID="865cee90d61be235413a64cabd79a281">
   <xsd:schema xmlns:xsd="http://www.w3.org/2001/XMLSchema" xmlns:xs="http://www.w3.org/2001/XMLSchema" xmlns:p="http://schemas.microsoft.com/office/2006/metadata/properties" targetNamespace="http://schemas.microsoft.com/office/2006/metadata/properties" ma:root="true" ma:fieldsID="871d6b51c5141eb32e0d04e037372b3c">
     <xsd:element name="properties">
@@ -4894,10 +5237,33 @@
 </ct:contentTypeSchema>
 </file>
 
+<file path=customXml/item2.xml><?xml version="1.0" encoding="utf-8"?>
+<p:properties xmlns:p="http://schemas.microsoft.com/office/2006/metadata/properties" xmlns:xsi="http://www.w3.org/2001/XMLSchema-instance" xmlns:pc="http://schemas.microsoft.com/office/infopath/2007/PartnerControls">
+  <documentManagement/>
+</p:properties>
+</file>
+
+<file path=customXml/item3.xml><?xml version="1.0" encoding="utf-8"?>
+<?mso-contentType ?>
+<FormTemplates xmlns="http://schemas.microsoft.com/sharepoint/v3/contenttype/forms">
+  <Display>DocumentLibraryForm</Display>
+  <Edit>DocumentLibraryForm</Edit>
+  <New>DocumentLibraryForm</New>
+</FormTemplates>
+</file>
+
 <file path=customXml/itemProps1.xml><?xml version="1.0" encoding="utf-8"?>
-<ds:datastoreItem xmlns:ds="http://schemas.openxmlformats.org/officeDocument/2006/customXml" ds:itemID="{B22238E5-BDC0-4655-AFB5-A7405C559E7D}">
+<ds:datastoreItem xmlns:ds="http://schemas.openxmlformats.org/officeDocument/2006/customXml" ds:itemID="{BABDB233-CC77-4AD7-B48B-2F061438568A}">
   <ds:schemaRefs>
-    <ds:schemaRef ds:uri="http://schemas.microsoft.com/sharepoint/v3/contenttype/forms"/>
+    <ds:schemaRef ds:uri="http://schemas.microsoft.com/office/2006/metadata/contentType"/>
+    <ds:schemaRef ds:uri="http://schemas.microsoft.com/office/2006/metadata/properties/metaAttributes"/>
+    <ds:schemaRef ds:uri="http://www.w3.org/2001/XMLSchema"/>
+    <ds:schemaRef ds:uri="http://schemas.microsoft.com/office/2006/metadata/properties"/>
+    <ds:schemaRef ds:uri="http://schemas.openxmlformats.org/package/2006/metadata/core-properties"/>
+    <ds:schemaRef ds:uri="http://purl.org/dc/elements/1.1/"/>
+    <ds:schemaRef ds:uri="http://purl.org/dc/terms/"/>
+    <ds:schemaRef ds:uri="http://schemas.microsoft.com/internal/obd"/>
+    <ds:schemaRef ds:uri="http://schemas.microsoft.com/office/infopath/2007/PartnerControls"/>
   </ds:schemaRefs>
 </ds:datastoreItem>
 </file>
@@ -4912,17 +5278,9 @@
 </file>
 
 <file path=customXml/itemProps3.xml><?xml version="1.0" encoding="utf-8"?>
-<ds:datastoreItem xmlns:ds="http://schemas.openxmlformats.org/officeDocument/2006/customXml" ds:itemID="{BABDB233-CC77-4AD7-B48B-2F061438568A}">
+<ds:datastoreItem xmlns:ds="http://schemas.openxmlformats.org/officeDocument/2006/customXml" ds:itemID="{B22238E5-BDC0-4655-AFB5-A7405C559E7D}">
   <ds:schemaRefs>
-    <ds:schemaRef ds:uri="http://schemas.microsoft.com/office/2006/metadata/contentType"/>
-    <ds:schemaRef ds:uri="http://schemas.microsoft.com/office/2006/metadata/properties/metaAttributes"/>
-    <ds:schemaRef ds:uri="http://www.w3.org/2001/XMLSchema"/>
-    <ds:schemaRef ds:uri="http://schemas.microsoft.com/office/2006/metadata/properties"/>
-    <ds:schemaRef ds:uri="http://schemas.openxmlformats.org/package/2006/metadata/core-properties"/>
-    <ds:schemaRef ds:uri="http://purl.org/dc/elements/1.1/"/>
-    <ds:schemaRef ds:uri="http://purl.org/dc/terms/"/>
-    <ds:schemaRef ds:uri="http://schemas.microsoft.com/internal/obd"/>
-    <ds:schemaRef ds:uri="http://schemas.microsoft.com/office/infopath/2007/PartnerControls"/>
+    <ds:schemaRef ds:uri="http://schemas.microsoft.com/sharepoint/v3/contenttype/forms"/>
   </ds:schemaRefs>
 </ds:datastoreItem>
 </file>